--- a/docs/csRPE-tkloReport.pptx
+++ b/docs/csRPE-tkloReport.pptx
@@ -232,7 +232,7 @@
           <a:p>
             <a:fld id="{B1092C8B-142D-B549-9185-BE0181D81C4D}" type="datetimeFigureOut">
               <a:rPr lang="en-US" smtClean="0"/>
-              <a:t>2/12/2014</a:t>
+              <a:t>2/21/2014</a:t>
             </a:fld>
             <a:endParaRPr lang="en-US"/>
           </a:p>
@@ -398,7 +398,7 @@
           <a:p>
             <a:fld id="{BA701EEF-BB2E-8F43-AF18-CBB482E62E60}" type="datetimeFigureOut">
               <a:rPr lang="en-US" smtClean="0"/>
-              <a:t>2/12/2014</a:t>
+              <a:t>2/21/2014</a:t>
             </a:fld>
             <a:endParaRPr lang="en-US"/>
           </a:p>
@@ -1310,6 +1310,10 @@
           <a:bodyPr/>
           <a:lstStyle/>
           <a:p>
+            <a:r>
+              <a:rPr lang="en-US" dirty="0" smtClean="0"/>
+              <a:t>Inject bugs</a:t>
+            </a:r>
             <a:endParaRPr lang="en-US" dirty="0"/>
           </a:p>
         </p:txBody>
@@ -1331,7 +1335,7 @@
           <a:p>
             <a:fld id="{674C53AA-62C9-5942-A2E8-929AD20E09DA}" type="slidenum">
               <a:rPr lang="en-US" smtClean="0"/>
-              <a:t>25</a:t>
+              <a:t>24</a:t>
             </a:fld>
             <a:endParaRPr lang="en-US"/>
           </a:p>
@@ -1340,7 +1344,7 @@
     </p:spTree>
     <p:extLst>
       <p:ext uri="{BB962C8B-B14F-4D97-AF65-F5344CB8AC3E}">
-        <p14:creationId xmlns:p14="http://schemas.microsoft.com/office/powerpoint/2010/main" val="525231695"/>
+        <p14:creationId xmlns:p14="http://schemas.microsoft.com/office/powerpoint/2010/main" val="1405439152"/>
       </p:ext>
     </p:extLst>
   </p:cSld>
@@ -1415,7 +1419,7 @@
           <a:p>
             <a:fld id="{674C53AA-62C9-5942-A2E8-929AD20E09DA}" type="slidenum">
               <a:rPr lang="en-US" smtClean="0"/>
-              <a:t>26</a:t>
+              <a:t>25</a:t>
             </a:fld>
             <a:endParaRPr lang="en-US"/>
           </a:p>
@@ -1499,7 +1503,7 @@
           <a:p>
             <a:fld id="{674C53AA-62C9-5942-A2E8-929AD20E09DA}" type="slidenum">
               <a:rPr lang="en-US" smtClean="0"/>
-              <a:t>27</a:t>
+              <a:t>26</a:t>
             </a:fld>
             <a:endParaRPr lang="en-US"/>
           </a:p>
@@ -1583,7 +1587,7 @@
           <a:p>
             <a:fld id="{674C53AA-62C9-5942-A2E8-929AD20E09DA}" type="slidenum">
               <a:rPr lang="en-US" smtClean="0"/>
-              <a:t>28</a:t>
+              <a:t>27</a:t>
             </a:fld>
             <a:endParaRPr lang="en-US"/>
           </a:p>
@@ -1592,7 +1596,7 @@
     </p:spTree>
     <p:extLst>
       <p:ext uri="{BB962C8B-B14F-4D97-AF65-F5344CB8AC3E}">
-        <p14:creationId xmlns:p14="http://schemas.microsoft.com/office/powerpoint/2010/main" val="1001940361"/>
+        <p14:creationId xmlns:p14="http://schemas.microsoft.com/office/powerpoint/2010/main" val="525231695"/>
       </p:ext>
     </p:extLst>
   </p:cSld>
@@ -1646,16 +1650,6 @@
           <a:bodyPr/>
           <a:lstStyle/>
           <a:p>
-            <a:r>
-              <a:rPr lang="en-US" dirty="0" smtClean="0"/>
-              <a:t>Row0 is not a child</a:t>
-            </a:r>
-            <a:r>
-              <a:rPr lang="en-US" baseline="0" dirty="0" smtClean="0"/>
-              <a:t> of field</a:t>
-            </a:r>
-          </a:p>
-          <a:p>
             <a:endParaRPr lang="en-US" dirty="0"/>
           </a:p>
         </p:txBody>
@@ -1677,7 +1671,7 @@
           <a:p>
             <a:fld id="{674C53AA-62C9-5942-A2E8-929AD20E09DA}" type="slidenum">
               <a:rPr lang="en-US" smtClean="0"/>
-              <a:t>31</a:t>
+              <a:t>28</a:t>
             </a:fld>
             <a:endParaRPr lang="en-US"/>
           </a:p>
@@ -1686,7 +1680,7 @@
     </p:spTree>
     <p:extLst>
       <p:ext uri="{BB962C8B-B14F-4D97-AF65-F5344CB8AC3E}">
-        <p14:creationId xmlns:p14="http://schemas.microsoft.com/office/powerpoint/2010/main" val="4240506061"/>
+        <p14:creationId xmlns:p14="http://schemas.microsoft.com/office/powerpoint/2010/main" val="1001940361"/>
       </p:ext>
     </p:extLst>
   </p:cSld>
@@ -1740,6 +1734,16 @@
           <a:bodyPr/>
           <a:lstStyle/>
           <a:p>
+            <a:r>
+              <a:rPr lang="en-US" dirty="0" smtClean="0"/>
+              <a:t>Row0 is not a child</a:t>
+            </a:r>
+            <a:r>
+              <a:rPr lang="en-US" baseline="0" dirty="0" smtClean="0"/>
+              <a:t> of field</a:t>
+            </a:r>
+          </a:p>
+          <a:p>
             <a:endParaRPr lang="en-US" dirty="0"/>
           </a:p>
         </p:txBody>
@@ -1761,7 +1765,7 @@
           <a:p>
             <a:fld id="{674C53AA-62C9-5942-A2E8-929AD20E09DA}" type="slidenum">
               <a:rPr lang="en-US" smtClean="0"/>
-              <a:t>36</a:t>
+              <a:t>31</a:t>
             </a:fld>
             <a:endParaRPr lang="en-US"/>
           </a:p>
@@ -1770,7 +1774,7 @@
     </p:spTree>
     <p:extLst>
       <p:ext uri="{BB962C8B-B14F-4D97-AF65-F5344CB8AC3E}">
-        <p14:creationId xmlns:p14="http://schemas.microsoft.com/office/powerpoint/2010/main" val="4237186567"/>
+        <p14:creationId xmlns:p14="http://schemas.microsoft.com/office/powerpoint/2010/main" val="4240506061"/>
       </p:ext>
     </p:extLst>
   </p:cSld>
@@ -1845,7 +1849,7 @@
           <a:p>
             <a:fld id="{674C53AA-62C9-5942-A2E8-929AD20E09DA}" type="slidenum">
               <a:rPr lang="en-US" smtClean="0"/>
-              <a:t>37</a:t>
+              <a:t>32</a:t>
             </a:fld>
             <a:endParaRPr lang="en-US"/>
           </a:p>
@@ -1854,7 +1858,7 @@
     </p:spTree>
     <p:extLst>
       <p:ext uri="{BB962C8B-B14F-4D97-AF65-F5344CB8AC3E}">
-        <p14:creationId xmlns:p14="http://schemas.microsoft.com/office/powerpoint/2010/main" val="806552324"/>
+        <p14:creationId xmlns:p14="http://schemas.microsoft.com/office/powerpoint/2010/main" val="1174970250"/>
       </p:ext>
     </p:extLst>
   </p:cSld>
@@ -1961,6 +1965,174 @@
     <p:extLst>
       <p:ext uri="{BB962C8B-B14F-4D97-AF65-F5344CB8AC3E}">
         <p14:creationId xmlns:p14="http://schemas.microsoft.com/office/powerpoint/2010/main" val="1094875081"/>
+      </p:ext>
+    </p:extLst>
+  </p:cSld>
+  <p:clrMapOvr>
+    <a:masterClrMapping/>
+  </p:clrMapOvr>
+</p:notes>
+</file>
+
+<file path=ppt/notesSlides/notesSlide20.xml><?xml version="1.0" encoding="utf-8"?>
+<p:notes xmlns:a="http://schemas.openxmlformats.org/drawingml/2006/main" xmlns:r="http://schemas.openxmlformats.org/officeDocument/2006/relationships" xmlns:p="http://schemas.openxmlformats.org/presentationml/2006/main">
+  <p:cSld>
+    <p:spTree>
+      <p:nvGrpSpPr>
+        <p:cNvPr id="1" name=""/>
+        <p:cNvGrpSpPr/>
+        <p:nvPr/>
+      </p:nvGrpSpPr>
+      <p:grpSpPr>
+        <a:xfrm>
+          <a:off x="0" y="0"/>
+          <a:ext cx="0" cy="0"/>
+          <a:chOff x="0" y="0"/>
+          <a:chExt cx="0" cy="0"/>
+        </a:xfrm>
+      </p:grpSpPr>
+      <p:sp>
+        <p:nvSpPr>
+          <p:cNvPr id="2" name="Slide Image Placeholder 1"/>
+          <p:cNvSpPr>
+            <a:spLocks noGrp="1" noRot="1" noChangeAspect="1"/>
+          </p:cNvSpPr>
+          <p:nvPr>
+            <p:ph type="sldImg"/>
+          </p:nvPr>
+        </p:nvSpPr>
+        <p:spPr/>
+      </p:sp>
+      <p:sp>
+        <p:nvSpPr>
+          <p:cNvPr id="3" name="Notes Placeholder 2"/>
+          <p:cNvSpPr>
+            <a:spLocks noGrp="1"/>
+          </p:cNvSpPr>
+          <p:nvPr>
+            <p:ph type="body" idx="1"/>
+          </p:nvPr>
+        </p:nvSpPr>
+        <p:spPr/>
+        <p:txBody>
+          <a:bodyPr/>
+          <a:lstStyle/>
+          <a:p>
+            <a:endParaRPr lang="en-US" dirty="0"/>
+          </a:p>
+        </p:txBody>
+      </p:sp>
+      <p:sp>
+        <p:nvSpPr>
+          <p:cNvPr id="4" name="Slide Number Placeholder 3"/>
+          <p:cNvSpPr>
+            <a:spLocks noGrp="1"/>
+          </p:cNvSpPr>
+          <p:nvPr>
+            <p:ph type="sldNum" sz="quarter" idx="10"/>
+          </p:nvPr>
+        </p:nvSpPr>
+        <p:spPr/>
+        <p:txBody>
+          <a:bodyPr/>
+          <a:lstStyle/>
+          <a:p>
+            <a:fld id="{674C53AA-62C9-5942-A2E8-929AD20E09DA}" type="slidenum">
+              <a:rPr lang="en-US" smtClean="0"/>
+              <a:t>36</a:t>
+            </a:fld>
+            <a:endParaRPr lang="en-US"/>
+          </a:p>
+        </p:txBody>
+      </p:sp>
+    </p:spTree>
+    <p:extLst>
+      <p:ext uri="{BB962C8B-B14F-4D97-AF65-F5344CB8AC3E}">
+        <p14:creationId xmlns:p14="http://schemas.microsoft.com/office/powerpoint/2010/main" val="4237186567"/>
+      </p:ext>
+    </p:extLst>
+  </p:cSld>
+  <p:clrMapOvr>
+    <a:masterClrMapping/>
+  </p:clrMapOvr>
+</p:notes>
+</file>
+
+<file path=ppt/notesSlides/notesSlide21.xml><?xml version="1.0" encoding="utf-8"?>
+<p:notes xmlns:a="http://schemas.openxmlformats.org/drawingml/2006/main" xmlns:r="http://schemas.openxmlformats.org/officeDocument/2006/relationships" xmlns:p="http://schemas.openxmlformats.org/presentationml/2006/main">
+  <p:cSld>
+    <p:spTree>
+      <p:nvGrpSpPr>
+        <p:cNvPr id="1" name=""/>
+        <p:cNvGrpSpPr/>
+        <p:nvPr/>
+      </p:nvGrpSpPr>
+      <p:grpSpPr>
+        <a:xfrm>
+          <a:off x="0" y="0"/>
+          <a:ext cx="0" cy="0"/>
+          <a:chOff x="0" y="0"/>
+          <a:chExt cx="0" cy="0"/>
+        </a:xfrm>
+      </p:grpSpPr>
+      <p:sp>
+        <p:nvSpPr>
+          <p:cNvPr id="2" name="Slide Image Placeholder 1"/>
+          <p:cNvSpPr>
+            <a:spLocks noGrp="1" noRot="1" noChangeAspect="1"/>
+          </p:cNvSpPr>
+          <p:nvPr>
+            <p:ph type="sldImg"/>
+          </p:nvPr>
+        </p:nvSpPr>
+        <p:spPr/>
+      </p:sp>
+      <p:sp>
+        <p:nvSpPr>
+          <p:cNvPr id="3" name="Notes Placeholder 2"/>
+          <p:cNvSpPr>
+            <a:spLocks noGrp="1"/>
+          </p:cNvSpPr>
+          <p:nvPr>
+            <p:ph type="body" idx="1"/>
+          </p:nvPr>
+        </p:nvSpPr>
+        <p:spPr/>
+        <p:txBody>
+          <a:bodyPr/>
+          <a:lstStyle/>
+          <a:p>
+            <a:endParaRPr lang="en-US" dirty="0"/>
+          </a:p>
+        </p:txBody>
+      </p:sp>
+      <p:sp>
+        <p:nvSpPr>
+          <p:cNvPr id="4" name="Slide Number Placeholder 3"/>
+          <p:cNvSpPr>
+            <a:spLocks noGrp="1"/>
+          </p:cNvSpPr>
+          <p:nvPr>
+            <p:ph type="sldNum" sz="quarter" idx="10"/>
+          </p:nvPr>
+        </p:nvSpPr>
+        <p:spPr/>
+        <p:txBody>
+          <a:bodyPr/>
+          <a:lstStyle/>
+          <a:p>
+            <a:fld id="{674C53AA-62C9-5942-A2E8-929AD20E09DA}" type="slidenum">
+              <a:rPr lang="en-US" smtClean="0"/>
+              <a:t>37</a:t>
+            </a:fld>
+            <a:endParaRPr lang="en-US"/>
+          </a:p>
+        </p:txBody>
+      </p:sp>
+    </p:spTree>
+    <p:extLst>
+      <p:ext uri="{BB962C8B-B14F-4D97-AF65-F5344CB8AC3E}">
+        <p14:creationId xmlns:p14="http://schemas.microsoft.com/office/powerpoint/2010/main" val="806552324"/>
       </p:ext>
     </p:extLst>
   </p:cSld>
@@ -2739,7 +2911,7 @@
           <a:p>
             <a:fld id="{C6D7147D-30B1-1444-84D7-A9C44053CC44}" type="datetime1">
               <a:rPr lang="en-CA" smtClean="0"/>
-              <a:t>2/12/2014</a:t>
+              <a:t>2/21/2014</a:t>
             </a:fld>
             <a:endParaRPr lang="en-US"/>
           </a:p>
@@ -2913,7 +3085,7 @@
           <a:p>
             <a:fld id="{DF1D329A-2A60-8448-B3BA-C75EB0324B8C}" type="datetime1">
               <a:rPr lang="en-CA" smtClean="0"/>
-              <a:t>2/12/2014</a:t>
+              <a:t>2/21/2014</a:t>
             </a:fld>
             <a:endParaRPr lang="en-US"/>
           </a:p>
@@ -3097,7 +3269,7 @@
           <a:p>
             <a:fld id="{CCE44D41-02A1-9C4B-8194-C15A8D6CC302}" type="datetime1">
               <a:rPr lang="en-CA" smtClean="0"/>
-              <a:t>2/12/2014</a:t>
+              <a:t>2/21/2014</a:t>
             </a:fld>
             <a:endParaRPr lang="en-US"/>
           </a:p>
@@ -3271,7 +3443,7 @@
           <a:p>
             <a:fld id="{3261ED46-F994-BC48-BFF7-BEA2C60FA090}" type="datetime1">
               <a:rPr lang="en-CA" smtClean="0"/>
-              <a:t>2/12/2014</a:t>
+              <a:t>2/21/2014</a:t>
             </a:fld>
             <a:endParaRPr lang="en-US"/>
           </a:p>
@@ -3521,7 +3693,7 @@
           <a:p>
             <a:fld id="{295778C0-B80B-5D4E-823A-19A59D864C4A}" type="datetime1">
               <a:rPr lang="en-CA" smtClean="0"/>
-              <a:t>2/12/2014</a:t>
+              <a:t>2/21/2014</a:t>
             </a:fld>
             <a:endParaRPr lang="en-US"/>
           </a:p>
@@ -3813,7 +3985,7 @@
           <a:p>
             <a:fld id="{11F74F63-7C83-CB48-8B5A-5F45381A2F1F}" type="datetime1">
               <a:rPr lang="en-CA" smtClean="0"/>
-              <a:t>2/12/2014</a:t>
+              <a:t>2/21/2014</a:t>
             </a:fld>
             <a:endParaRPr lang="en-US"/>
           </a:p>
@@ -4239,7 +4411,7 @@
           <a:p>
             <a:fld id="{72AFA576-17BB-844C-8ACE-4EF73E90E03B}" type="datetime1">
               <a:rPr lang="en-CA" smtClean="0"/>
-              <a:t>2/12/2014</a:t>
+              <a:t>2/21/2014</a:t>
             </a:fld>
             <a:endParaRPr lang="en-US"/>
           </a:p>
@@ -4361,7 +4533,7 @@
           <a:p>
             <a:fld id="{47E354D0-A18F-144D-9168-DAC3A36FB2F9}" type="datetime1">
               <a:rPr lang="en-CA" smtClean="0"/>
-              <a:t>2/12/2014</a:t>
+              <a:t>2/21/2014</a:t>
             </a:fld>
             <a:endParaRPr lang="en-US"/>
           </a:p>
@@ -4460,7 +4632,7 @@
           <a:p>
             <a:fld id="{B03E3D3F-40A4-1B47-B741-E14C63BE27DB}" type="datetime1">
               <a:rPr lang="en-CA" smtClean="0"/>
-              <a:t>2/12/2014</a:t>
+              <a:t>2/21/2014</a:t>
             </a:fld>
             <a:endParaRPr lang="en-US"/>
           </a:p>
@@ -4741,7 +4913,7 @@
           <a:p>
             <a:fld id="{32E5E610-9574-D145-827B-60C742F3BFB7}" type="datetime1">
               <a:rPr lang="en-CA" smtClean="0"/>
-              <a:t>2/12/2014</a:t>
+              <a:t>2/21/2014</a:t>
             </a:fld>
             <a:endParaRPr lang="en-US"/>
           </a:p>
@@ -4998,7 +5170,7 @@
           <a:p>
             <a:fld id="{B5C747E7-AD6A-DB4C-9F3D-47CD73DBC930}" type="datetime1">
               <a:rPr lang="en-CA" smtClean="0"/>
-              <a:t>2/12/2014</a:t>
+              <a:t>2/21/2014</a:t>
             </a:fld>
             <a:endParaRPr lang="en-US"/>
           </a:p>
@@ -5215,7 +5387,7 @@
           <a:p>
             <a:fld id="{B28FC675-895F-7F4A-BFAF-0F38B6ECEC83}" type="datetime1">
               <a:rPr lang="en-CA" smtClean="0"/>
-              <a:t>2/12/2014</a:t>
+              <a:t>2/21/2014</a:t>
             </a:fld>
             <a:endParaRPr lang="en-US"/>
           </a:p>
@@ -5825,21 +5997,8 @@
             </a:r>
             <a:r>
               <a:rPr lang="en-US" dirty="0" smtClean="0"/>
-              <a:t>Single </a:t>
-            </a:r>
-            <a:r>
-              <a:rPr lang="en-US" dirty="0" smtClean="0"/>
-              <a:t>DOM Clues </a:t>
-            </a:r>
-            <a:r>
-              <a:rPr lang="en-US" dirty="0" smtClean="0"/>
-              <a:t>are Partial &amp; </a:t>
-            </a:r>
-            <a:r>
-              <a:rPr lang="en-US" dirty="0" smtClean="0"/>
-              <a:t>Incomplete.</a:t>
-            </a:r>
-            <a:endParaRPr lang="en-US" dirty="0" smtClean="0"/>
+              <a:t>Single DOM Clues are Partial &amp; Incomplete.</a:t>
+            </a:r>
           </a:p>
           <a:p>
             <a:pPr marL="514350" indent="-514350">
@@ -5856,13 +6015,8 @@
             </a:r>
             <a:r>
               <a:rPr lang="en-US" dirty="0" smtClean="0"/>
-              <a:t>Indirect Influence &amp; Intermediate </a:t>
-            </a:r>
-            <a:r>
-              <a:rPr lang="en-US" dirty="0" smtClean="0"/>
-              <a:t>Variables.</a:t>
-            </a:r>
-            <a:endParaRPr lang="en-US" dirty="0" smtClean="0"/>
+              <a:t>Indirect Influence &amp; Intermediate Variables.</a:t>
+            </a:r>
           </a:p>
           <a:p>
             <a:pPr marL="514350" indent="-514350">
@@ -5883,7 +6037,6 @@
               <a:rPr lang="en-US" dirty="0" smtClean="0"/>
               <a:t>JavaScript variables are Dynamically Typed.</a:t>
             </a:r>
-            <a:endParaRPr lang="en-US" dirty="0" smtClean="0"/>
           </a:p>
           <a:p>
             <a:pPr marL="514350" indent="-514350">
@@ -5900,13 +6053,8 @@
             </a:r>
             <a:r>
               <a:rPr lang="en-US" dirty="0" smtClean="0"/>
-              <a:t>Logic Constraints can be </a:t>
-            </a:r>
-            <a:r>
-              <a:rPr lang="en-US" dirty="0" smtClean="0"/>
-              <a:t>Interdependent.</a:t>
-            </a:r>
-            <a:endParaRPr lang="en-US" dirty="0" smtClean="0"/>
+              <a:t>Logic Constraints can be Interdependent.</a:t>
+            </a:r>
           </a:p>
           <a:p>
             <a:pPr marL="514350" indent="-514350">
@@ -5923,17 +6071,8 @@
             </a:r>
             <a:r>
               <a:rPr lang="en-US" dirty="0" smtClean="0"/>
-              <a:t>2D Tree Structure </a:t>
-            </a:r>
-            <a:r>
-              <a:rPr lang="en-US" dirty="0" smtClean="0"/>
-              <a:t>&amp; Implicit </a:t>
-            </a:r>
-            <a:r>
-              <a:rPr lang="en-US" dirty="0" smtClean="0"/>
-              <a:t>Clues.</a:t>
-            </a:r>
-            <a:endParaRPr lang="en-US" dirty="0" smtClean="0"/>
+              <a:t>2D Tree Structure &amp; Implicit Clues.</a:t>
+            </a:r>
           </a:p>
           <a:p>
             <a:pPr marL="514350" indent="-514350">
@@ -6251,11 +6390,7 @@
             </a:br>
             <a:r>
               <a:rPr lang="en-US" dirty="0" smtClean="0"/>
-              <a:t>More Complicated </a:t>
-            </a:r>
-            <a:r>
-              <a:rPr lang="en-US" dirty="0" smtClean="0"/>
-              <a:t>Example</a:t>
+              <a:t>More Complicated Example</a:t>
             </a:r>
             <a:endParaRPr lang="en-US" dirty="0"/>
           </a:p>
@@ -6426,11 +6561,7 @@
             </a:r>
             <a:r>
               <a:rPr lang="en-US" sz="2200" dirty="0" smtClean="0"/>
-              <a:t>) {</a:t>
-            </a:r>
-            <a:r>
-              <a:rPr lang="en-US" sz="2200" dirty="0" smtClean="0"/>
-              <a:t>}</a:t>
+              <a:t>) {}</a:t>
             </a:r>
             <a:br>
               <a:rPr lang="en-US" sz="2200" dirty="0" smtClean="0"/>
@@ -6913,19 +7044,7 @@
           <a:p>
             <a:r>
               <a:rPr lang="en-US" dirty="0" smtClean="0"/>
-              <a:t>Background: Each </a:t>
-            </a:r>
-            <a:r>
-              <a:rPr lang="en-US" dirty="0" smtClean="0"/>
-              <a:t>DOM operation is a </a:t>
-            </a:r>
-            <a:r>
-              <a:rPr lang="en-US" dirty="0" smtClean="0"/>
-              <a:t>Clue </a:t>
-            </a:r>
-            <a:r>
-              <a:rPr lang="en-US" dirty="0" smtClean="0"/>
-              <a:t>to the Overall </a:t>
+              <a:t>Background: Each DOM operation is a Clue to the Overall </a:t>
             </a:r>
             <a:r>
               <a:rPr lang="en-US" i="1" dirty="0" smtClean="0">
@@ -7072,14 +7191,6 @@
               </a:rPr>
               <a:t>@ Line 1</a:t>
             </a:r>
-            <a:endParaRPr lang="en-US" sz="2200" dirty="0" smtClean="0">
-              <a:solidFill>
-                <a:schemeClr val="tx1">
-                  <a:lumMod val="65000"/>
-                  <a:lumOff val="35000"/>
-                </a:schemeClr>
-              </a:solidFill>
-            </a:endParaRPr>
           </a:p>
         </p:txBody>
       </p:sp>
@@ -7956,11 +8067,7 @@
             </a:r>
             <a:r>
               <a:rPr lang="en-US" sz="1900" dirty="0" smtClean="0"/>
-              <a:t> </a:t>
-            </a:r>
-            <a:r>
-              <a:rPr lang="en-US" sz="1900" dirty="0" smtClean="0"/>
-              <a:t>cannot be both parent and a child of </a:t>
+              <a:t> cannot be both parent and a child of </a:t>
             </a:r>
             <a:r>
               <a:rPr lang="en-US" sz="1900" i="1" dirty="0" err="1" smtClean="0">
@@ -8622,11 +8729,7 @@
             </a:r>
             <a:r>
               <a:rPr lang="en-US" sz="2400" dirty="0" smtClean="0"/>
-              <a:t>) </a:t>
-            </a:r>
-            <a:r>
-              <a:rPr lang="en-US" sz="2400" dirty="0" smtClean="0"/>
-              <a:t>{}</a:t>
+              <a:t>) {}</a:t>
             </a:r>
           </a:p>
           <a:p>
@@ -8958,15 +9061,7 @@
                   <a:schemeClr val="accent3"/>
                 </a:solidFill>
               </a:rPr>
-              <a:t>		</a:t>
-            </a:r>
-            <a:r>
-              <a:rPr lang="en-US" sz="2200" dirty="0" smtClean="0">
-                <a:solidFill>
-                  <a:schemeClr val="accent3"/>
-                </a:solidFill>
-              </a:rPr>
-              <a:t>		</a:t>
+              <a:t>				</a:t>
             </a:r>
             <a:r>
               <a:rPr lang="en-US" sz="2200" strike="sngStrike" dirty="0" smtClean="0">
@@ -8974,15 +9069,7 @@
                   <a:srgbClr val="595959"/>
                 </a:solidFill>
               </a:rPr>
-              <a:t>Line </a:t>
-            </a:r>
-            <a:r>
-              <a:rPr lang="en-US" sz="2200" strike="sngStrike" dirty="0" smtClean="0">
-                <a:solidFill>
-                  <a:srgbClr val="595959"/>
-                </a:solidFill>
-              </a:rPr>
-              <a:t>4</a:t>
+              <a:t>Line 4</a:t>
             </a:r>
             <a:r>
               <a:rPr lang="en-US" sz="2200" dirty="0" smtClean="0">
@@ -9015,18 +9102,7 @@
                   </a:schemeClr>
                 </a:solidFill>
               </a:rPr>
-              <a:t>Line </a:t>
-            </a:r>
-            <a:r>
-              <a:rPr lang="en-US" sz="2200" strike="sngStrike" dirty="0" smtClean="0">
-                <a:solidFill>
-                  <a:schemeClr val="tx1">
-                    <a:lumMod val="65000"/>
-                    <a:lumOff val="35000"/>
-                  </a:schemeClr>
-                </a:solidFill>
-              </a:rPr>
-              <a:t>1</a:t>
+              <a:t>Line 1</a:t>
             </a:r>
           </a:p>
           <a:p>
@@ -9057,11 +9133,7 @@
             </a:r>
             <a:r>
               <a:rPr lang="en-US" sz="2200" dirty="0" smtClean="0"/>
-              <a:t>		</a:t>
-            </a:r>
-            <a:r>
-              <a:rPr lang="en-US" sz="2200" dirty="0" smtClean="0"/>
-              <a:t>		</a:t>
+              <a:t>				</a:t>
             </a:r>
             <a:r>
               <a:rPr lang="en-US" sz="2200" dirty="0" smtClean="0">
@@ -9069,15 +9141,7 @@
                   <a:srgbClr val="595959"/>
                 </a:solidFill>
               </a:rPr>
-              <a:t>Line </a:t>
-            </a:r>
-            <a:r>
-              <a:rPr lang="en-US" sz="2200" dirty="0" smtClean="0">
-                <a:solidFill>
-                  <a:srgbClr val="595959"/>
-                </a:solidFill>
-              </a:rPr>
-              <a:t>2</a:t>
+              <a:t>Line 2</a:t>
             </a:r>
           </a:p>
           <a:p>
@@ -9112,11 +9176,7 @@
             </a:r>
             <a:r>
               <a:rPr lang="en-US" sz="2200" dirty="0" smtClean="0"/>
-              <a:t>		</a:t>
-            </a:r>
-            <a:r>
-              <a:rPr lang="en-US" sz="2200" dirty="0" smtClean="0"/>
-              <a:t>	</a:t>
+              <a:t>			</a:t>
             </a:r>
             <a:r>
               <a:rPr lang="en-US" sz="2200" dirty="0" smtClean="0">
@@ -9225,14 +9285,6 @@
               </a:rPr>
               <a:t>Line 5-8</a:t>
             </a:r>
-            <a:endParaRPr lang="en-US" sz="2200" dirty="0" smtClean="0">
-              <a:solidFill>
-                <a:schemeClr val="tx1">
-                  <a:lumMod val="65000"/>
-                  <a:lumOff val="35000"/>
-                </a:schemeClr>
-              </a:solidFill>
-            </a:endParaRPr>
           </a:p>
           <a:p>
             <a:pPr marL="457200" lvl="1" indent="0">
@@ -9814,18 +9866,7 @@
                   </a:schemeClr>
                 </a:solidFill>
               </a:rPr>
-              <a:t>Line </a:t>
-            </a:r>
-            <a:r>
-              <a:rPr lang="en-US" sz="2200" dirty="0" smtClean="0">
-                <a:solidFill>
-                  <a:schemeClr val="tx1">
-                    <a:lumMod val="75000"/>
-                    <a:lumOff val="25000"/>
-                  </a:schemeClr>
-                </a:solidFill>
-              </a:rPr>
-              <a:t>5 &amp; 6</a:t>
+              <a:t>Line 5 &amp; 6</a:t>
             </a:r>
             <a:endParaRPr lang="en-US" sz="2200" b="1" i="1" dirty="0" smtClean="0">
               <a:solidFill>
@@ -9874,18 +9915,7 @@
                   </a:schemeClr>
                 </a:solidFill>
               </a:rPr>
-              <a:t>Line </a:t>
-            </a:r>
-            <a:r>
-              <a:rPr lang="en-US" sz="2200" strike="sngStrike" dirty="0" smtClean="0">
-                <a:solidFill>
-                  <a:schemeClr val="tx1">
-                    <a:lumMod val="75000"/>
-                    <a:lumOff val="25000"/>
-                  </a:schemeClr>
-                </a:solidFill>
-              </a:rPr>
-              <a:t>4</a:t>
+              <a:t>Line 4</a:t>
             </a:r>
             <a:endParaRPr lang="en-US" sz="2200" i="1" strike="sngStrike" dirty="0" smtClean="0">
               <a:solidFill>
@@ -10897,19 +10927,7 @@
             </a:pPr>
             <a:r>
               <a:rPr lang="en-US" sz="2000" dirty="0" smtClean="0"/>
-              <a:t>Arrows </a:t>
-            </a:r>
-            <a:r>
-              <a:rPr lang="en-US" sz="2000" dirty="0" smtClean="0"/>
-              <a:t>point </a:t>
-            </a:r>
-            <a:r>
-              <a:rPr lang="en-US" sz="2000" dirty="0" smtClean="0"/>
-              <a:t>up to </a:t>
-            </a:r>
-            <a:r>
-              <a:rPr lang="en-US" sz="2000" dirty="0" smtClean="0"/>
-              <a:t>the parent.</a:t>
+              <a:t>Arrows point up to the parent.</a:t>
             </a:r>
           </a:p>
           <a:p>
@@ -10948,19 +10966,7 @@
             </a:br>
             <a:r>
               <a:rPr lang="en-US" sz="2000" dirty="0" smtClean="0"/>
-              <a:t>-</a:t>
-            </a:r>
-            <a:r>
-              <a:rPr lang="en-US" sz="2000" dirty="0" smtClean="0"/>
-              <a:t>1 is the last </a:t>
-            </a:r>
-            <a:r>
-              <a:rPr lang="en-US" sz="2000" dirty="0" smtClean="0"/>
-              <a:t>child</a:t>
-            </a:r>
-            <a:r>
-              <a:rPr lang="en-US" sz="2000" dirty="0" smtClean="0"/>
-              <a:t>,</a:t>
+              <a:t>-1 is the last child,</a:t>
             </a:r>
           </a:p>
           <a:p>
@@ -10975,17 +10981,8 @@
             </a:r>
             <a:r>
               <a:rPr lang="en-US" sz="2000" dirty="0" smtClean="0"/>
-              <a:t>-</a:t>
-            </a:r>
-            <a:r>
-              <a:rPr lang="en-US" sz="2000" dirty="0" smtClean="0"/>
-              <a:t>2 is the second last child</a:t>
-            </a:r>
-            <a:r>
-              <a:rPr lang="en-US" sz="2000" dirty="0" smtClean="0"/>
-              <a:t>.</a:t>
-            </a:r>
-            <a:endParaRPr lang="en-US" sz="2000" dirty="0" smtClean="0"/>
+              <a:t>-2 is the second last child.</a:t>
+            </a:r>
           </a:p>
         </p:txBody>
       </p:sp>
@@ -11385,13 +11382,8 @@
             </a:pPr>
             <a:r>
               <a:rPr lang="en-US" dirty="0" smtClean="0"/>
-              <a:t>Proxy to intercept download, instrument </a:t>
-            </a:r>
-            <a:r>
-              <a:rPr lang="en-US" dirty="0" smtClean="0"/>
-              <a:t>JS.</a:t>
-            </a:r>
-            <a:endParaRPr lang="en-US" dirty="0" smtClean="0"/>
+              <a:t>Proxy to intercept download, instrument JS.</a:t>
+            </a:r>
           </a:p>
           <a:p>
             <a:pPr marL="971550" lvl="1" indent="-514350">
@@ -11408,17 +11400,8 @@
             </a:r>
             <a:r>
               <a:rPr lang="en-US" dirty="0" smtClean="0"/>
-              <a:t>and </a:t>
-            </a:r>
-            <a:r>
-              <a:rPr lang="en-US" dirty="0" smtClean="0"/>
-              <a:t>Browser </a:t>
-            </a:r>
-            <a:r>
-              <a:rPr lang="en-US" dirty="0" smtClean="0"/>
-              <a:t>Independent.</a:t>
-            </a:r>
-            <a:endParaRPr lang="en-US" dirty="0" smtClean="0"/>
+              <a:t>and Browser Independent.</a:t>
+            </a:r>
           </a:p>
           <a:p>
             <a:pPr marL="971550" lvl="1" indent="-514350">
@@ -11427,13 +11410,8 @@
             </a:pPr>
             <a:r>
               <a:rPr lang="en-US" dirty="0" smtClean="0"/>
-              <a:t>Instrumented JS gives slice &amp; DOM </a:t>
-            </a:r>
-            <a:r>
-              <a:rPr lang="en-US" dirty="0" smtClean="0"/>
-              <a:t>constraints.</a:t>
-            </a:r>
-            <a:endParaRPr lang="en-US" dirty="0" smtClean="0"/>
+              <a:t>Instrumented JS gives slice &amp; DOM constraints.</a:t>
+            </a:r>
           </a:p>
           <a:p>
             <a:pPr marL="571500" indent="-514350">
@@ -12870,11 +12848,7 @@
             </a:r>
             <a:r>
               <a:rPr lang="en-US" dirty="0" smtClean="0"/>
-              <a:t> </a:t>
-            </a:r>
-            <a:r>
-              <a:rPr lang="en-US" dirty="0" smtClean="0"/>
-              <a:t>Functions &amp; Quantifiers</a:t>
+              <a:t> Functions &amp; Quantifiers</a:t>
             </a:r>
             <a:endParaRPr lang="en-US" dirty="0"/>
           </a:p>
@@ -13088,11 +13062,11 @@
   <p:clrMapOvr>
     <a:masterClrMapping/>
   </p:clrMapOvr>
-  <mc:AlternateContent xmlns:mc="http://schemas.openxmlformats.org/markup-compatibility/2006">
-    <mc:Choice xmlns:p14="http://schemas.microsoft.com/office/powerpoint/2010/main" Requires="p14">
+  <mc:AlternateContent xmlns:mc="http://schemas.openxmlformats.org/markup-compatibility/2006" xmlns:p14="http://schemas.microsoft.com/office/powerpoint/2010/main">
+    <mc:Choice Requires="p14">
       <p:transition spd="slow" p14:dur="2000"/>
     </mc:Choice>
-    <mc:Fallback>
+    <mc:Fallback xmlns="">
       <p:transition xmlns:p14="http://schemas.microsoft.com/office/powerpoint/2010/main" spd="slow"/>
     </mc:Fallback>
   </mc:AlternateContent>
@@ -13280,11 +13254,7 @@
             </a:pPr>
             <a:r>
               <a:rPr lang="en-US" dirty="0" smtClean="0"/>
-              <a:t>Web Applications </a:t>
-            </a:r>
-            <a:r>
-              <a:rPr lang="en-US" dirty="0" smtClean="0"/>
-              <a:t>are increasingly prevalent</a:t>
+              <a:t>Web Applications are increasingly prevalent</a:t>
             </a:r>
           </a:p>
           <a:p>
@@ -13295,11 +13265,7 @@
             </a:pPr>
             <a:r>
               <a:rPr lang="en-US" dirty="0" smtClean="0"/>
-              <a:t>Testing </a:t>
-            </a:r>
-            <a:r>
-              <a:rPr lang="en-US" dirty="0" smtClean="0"/>
-              <a:t>Web apps remains challenging</a:t>
+              <a:t>Testing Web apps remains challenging</a:t>
             </a:r>
           </a:p>
           <a:p>
@@ -13372,33 +13338,8 @@
             <a:pPr lvl="1"/>
             <a:r>
               <a:rPr lang="en-US" sz="1600" dirty="0" smtClean="0"/>
-              <a:t>Executing </a:t>
-            </a:r>
-            <a:r>
-              <a:rPr lang="en-US" sz="1600" dirty="0" smtClean="0"/>
-              <a:t>different parts of </a:t>
-            </a:r>
-            <a:r>
-              <a:rPr lang="en-US" sz="1600" dirty="0" smtClean="0"/>
-              <a:t>JS </a:t>
-            </a:r>
-            <a:r>
-              <a:rPr lang="en-US" sz="1600" dirty="0" smtClean="0"/>
-              <a:t>code requires different yet </a:t>
-            </a:r>
-            <a:r>
-              <a:rPr lang="en-US" sz="1600" dirty="0" smtClean="0"/>
-              <a:t>precise </a:t>
-            </a:r>
-            <a:r>
-              <a:rPr lang="en-US" sz="1600" dirty="0" smtClean="0"/>
-              <a:t>structures of </a:t>
-            </a:r>
-            <a:r>
-              <a:rPr lang="en-US" sz="1600" dirty="0" smtClean="0"/>
-              <a:t>the DOM.</a:t>
-            </a:r>
-            <a:endParaRPr lang="en-US" sz="1600" dirty="0" smtClean="0"/>
+              <a:t>Executing different parts of JS code requires different yet precise structures of the DOM.</a:t>
+            </a:r>
           </a:p>
           <a:p>
             <a:pPr lvl="1"/>
@@ -13415,11 +13356,7 @@
             </a:r>
             <a:r>
               <a:rPr lang="en-US" sz="1600" dirty="0" smtClean="0"/>
-              <a:t>related</a:t>
-            </a:r>
-            <a:r>
-              <a:rPr lang="en-US" sz="1600" dirty="0" smtClean="0"/>
-              <a:t>.</a:t>
+              <a:t>related.</a:t>
             </a:r>
           </a:p>
         </p:txBody>
@@ -15042,8 +14979,17 @@
             </a:pPr>
             <a:r>
               <a:rPr lang="en-US" i="1" dirty="0" smtClean="0"/>
-              <a:t>Without HTML</a:t>
-            </a:r>
+              <a:t>Without </a:t>
+            </a:r>
+            <a:r>
+              <a:rPr lang="en-US" i="1" dirty="0" smtClean="0"/>
+              <a:t>HTML - </a:t>
+            </a:r>
+            <a:r>
+              <a:rPr lang="en-US" i="1" dirty="0" err="1" smtClean="0"/>
+              <a:t>jalangi</a:t>
+            </a:r>
+            <a:endParaRPr lang="en-US" i="1" dirty="0" smtClean="0"/>
           </a:p>
           <a:p>
             <a:pPr marL="457200" indent="-457200">
@@ -15052,8 +14998,17 @@
             </a:pPr>
             <a:r>
               <a:rPr lang="en-US" i="1" dirty="0" smtClean="0"/>
-              <a:t>Existing HTML</a:t>
-            </a:r>
+              <a:t>Existing </a:t>
+            </a:r>
+            <a:r>
+              <a:rPr lang="en-US" i="1" dirty="0" smtClean="0"/>
+              <a:t>HTML - </a:t>
+            </a:r>
+            <a:r>
+              <a:rPr lang="en-US" i="1" dirty="0" err="1" smtClean="0"/>
+              <a:t>jalangi</a:t>
+            </a:r>
+            <a:endParaRPr lang="en-US" i="1" dirty="0" smtClean="0"/>
           </a:p>
           <a:p>
             <a:pPr marL="457200" indent="-457200">
@@ -15061,12 +15016,28 @@
               <a:buAutoNum type="arabicPeriod"/>
             </a:pPr>
             <a:r>
-              <a:rPr lang="en-US" i="1" dirty="0" err="1">
+              <a:rPr lang="en-US" i="1" dirty="0" err="1" smtClean="0">
                 <a:solidFill>
                   <a:schemeClr val="accent3"/>
                 </a:solidFill>
               </a:rPr>
               <a:t>ConcolicDOM</a:t>
+            </a:r>
+            <a:r>
+              <a:rPr lang="en-US" i="1" dirty="0" smtClean="0">
+                <a:solidFill>
+                  <a:schemeClr val="accent3"/>
+                </a:solidFill>
+              </a:rPr>
+              <a:t> - </a:t>
+            </a:r>
+            <a:r>
+              <a:rPr lang="en-US" i="1" dirty="0" err="1" smtClean="0">
+                <a:solidFill>
+                  <a:schemeClr val="accent3"/>
+                </a:solidFill>
+              </a:rPr>
+              <a:t>jalangi</a:t>
             </a:r>
             <a:endParaRPr lang="en-US" i="1" dirty="0">
               <a:solidFill>
@@ -16063,11 +16034,11 @@
   <p:clrMapOvr>
     <a:masterClrMapping/>
   </p:clrMapOvr>
-  <mc:AlternateContent xmlns:mc="http://schemas.openxmlformats.org/markup-compatibility/2006">
-    <mc:Choice xmlns:p14="http://schemas.microsoft.com/office/powerpoint/2010/main" Requires="p14">
+  <mc:AlternateContent xmlns:mc="http://schemas.openxmlformats.org/markup-compatibility/2006" xmlns:p14="http://schemas.microsoft.com/office/powerpoint/2010/main">
+    <mc:Choice Requires="p14">
       <p:transition spd="slow" p14:dur="2000"/>
     </mc:Choice>
-    <mc:Fallback>
+    <mc:Fallback xmlns="">
       <p:transition xmlns:p14="http://schemas.microsoft.com/office/powerpoint/2010/main" spd="slow"/>
     </mc:Fallback>
   </mc:AlternateContent>
@@ -16695,11 +16666,11 @@
   <p:clrMapOvr>
     <a:masterClrMapping/>
   </p:clrMapOvr>
-  <mc:AlternateContent xmlns:mc="http://schemas.openxmlformats.org/markup-compatibility/2006">
-    <mc:Choice xmlns:p14="http://schemas.microsoft.com/office/powerpoint/2010/main" Requires="p14">
+  <mc:AlternateContent xmlns:mc="http://schemas.openxmlformats.org/markup-compatibility/2006" xmlns:p14="http://schemas.microsoft.com/office/powerpoint/2010/main">
+    <mc:Choice Requires="p14">
       <p:transition spd="slow" p14:dur="2000"/>
     </mc:Choice>
-    <mc:Fallback>
+    <mc:Fallback xmlns="">
       <p:transition xmlns:p14="http://schemas.microsoft.com/office/powerpoint/2010/main" spd="slow"/>
     </mc:Fallback>
   </mc:AlternateContent>
@@ -16925,22 +16896,13 @@
             </a:r>
             <a:r>
               <a:rPr lang="en-US" dirty="0" smtClean="0"/>
-              <a:t> children rows in original </a:t>
-            </a:r>
+              <a:t> children rows in original HTML</a:t>
+            </a:r>
+          </a:p>
+          <a:p>
             <a:r>
               <a:rPr lang="en-US" dirty="0" smtClean="0"/>
-              <a:t>HTML</a:t>
-            </a:r>
-            <a:endParaRPr lang="en-US" dirty="0" smtClean="0"/>
-          </a:p>
-          <a:p>
-            <a:r>
-              <a:rPr lang="en-US" dirty="0" smtClean="0"/>
-              <a:t>Set # of rows for counting </a:t>
-            </a:r>
-            <a:r>
-              <a:rPr lang="en-US" dirty="0" smtClean="0"/>
-              <a:t>the # of paths:</a:t>
+              <a:t>Set # of rows for counting the # of paths:</a:t>
             </a:r>
             <a:br>
               <a:rPr lang="en-US" dirty="0" smtClean="0"/>
@@ -16959,11 +16921,7 @@
             </a:r>
             <a:r>
               <a:rPr lang="en-US" dirty="0" smtClean="0"/>
-              <a:t> </a:t>
-            </a:r>
-            <a:r>
-              <a:rPr lang="en-US" dirty="0" smtClean="0"/>
-              <a:t>(</a:t>
+              <a:t> (</a:t>
             </a:r>
             <a:r>
               <a:rPr lang="en-US" i="1" dirty="0" smtClean="0">
@@ -17081,11 +17039,7 @@
             </a:r>
             <a:r>
               <a:rPr lang="en-US" dirty="0" smtClean="0"/>
-              <a:t> </a:t>
-            </a:r>
-            <a:r>
-              <a:rPr lang="en-US" dirty="0" smtClean="0"/>
-              <a:t>branch of </a:t>
+              <a:t> branch of </a:t>
             </a:r>
             <a:r>
               <a:rPr lang="en-US" dirty="0" smtClean="0">
@@ -17165,11 +17119,11 @@
   <p:clrMapOvr>
     <a:masterClrMapping/>
   </p:clrMapOvr>
-  <mc:AlternateContent xmlns:mc="http://schemas.openxmlformats.org/markup-compatibility/2006">
-    <mc:Choice xmlns:p14="http://schemas.microsoft.com/office/powerpoint/2010/main" Requires="p14">
+  <mc:AlternateContent xmlns:mc="http://schemas.openxmlformats.org/markup-compatibility/2006" xmlns:p14="http://schemas.microsoft.com/office/powerpoint/2010/main">
+    <mc:Choice Requires="p14">
       <p:transition spd="slow" p14:dur="2000"/>
     </mc:Choice>
-    <mc:Fallback>
+    <mc:Fallback xmlns="">
       <p:transition xmlns:p14="http://schemas.microsoft.com/office/powerpoint/2010/main" spd="slow"/>
     </mc:Fallback>
   </mc:AlternateContent>
@@ -17219,11 +17173,7 @@
           <a:p>
             <a:r>
               <a:rPr lang="en-US" dirty="0" smtClean="0"/>
-              <a:t>DOM Dependency Example</a:t>
-            </a:r>
-            <a:r>
-              <a:rPr lang="en-US" dirty="0" smtClean="0"/>
-              <a:t>: </a:t>
+              <a:t>DOM Dependency Example: </a:t>
             </a:r>
             <a:r>
               <a:rPr lang="en-US" dirty="0" err="1" smtClean="0"/>
@@ -18099,11 +18049,7 @@
             <a:pPr lvl="1"/>
             <a:r>
               <a:rPr lang="en-US" sz="2000" dirty="0" smtClean="0"/>
-              <a:t>1st </a:t>
-            </a:r>
-            <a:r>
-              <a:rPr lang="en-US" sz="2000" dirty="0" smtClean="0"/>
-              <a:t>statement of code is already a DOM operation: </a:t>
+              <a:t>1st statement of code is already a DOM operation: </a:t>
             </a:r>
             <a:r>
               <a:rPr lang="en-US" sz="2000" dirty="0" smtClean="0">
@@ -18158,25 +18104,12 @@
               <a:rPr lang="en-US" dirty="0" smtClean="0"/>
               <a:t>/branch coverage.</a:t>
             </a:r>
-            <a:endParaRPr lang="en-US" dirty="0" smtClean="0"/>
           </a:p>
           <a:p>
             <a:pPr lvl="1"/>
             <a:r>
               <a:rPr lang="en-US" sz="2000" dirty="0" smtClean="0"/>
-              <a:t>5</a:t>
-            </a:r>
-            <a:r>
-              <a:rPr lang="en-US" sz="2000" dirty="0" smtClean="0"/>
-              <a:t>/6 (83%</a:t>
-            </a:r>
-            <a:r>
-              <a:rPr lang="en-US" sz="2000" dirty="0" smtClean="0"/>
-              <a:t>) statements</a:t>
-            </a:r>
-            <a:r>
-              <a:rPr lang="en-US" sz="2000" dirty="0" smtClean="0"/>
-              <a:t>; </a:t>
+              <a:t>5/6 (83%) statements; </a:t>
             </a:r>
             <a:r>
               <a:rPr lang="en-US" sz="2000" dirty="0"/>
@@ -18186,7 +18119,6 @@
               <a:rPr lang="en-US" sz="2000" dirty="0" smtClean="0"/>
               <a:t>) branches; 1/41 (2.44%) paths</a:t>
             </a:r>
-            <a:endParaRPr lang="en-US" sz="2000" dirty="0" smtClean="0"/>
           </a:p>
           <a:p>
             <a:r>
@@ -18199,15 +18131,11 @@
             </a:r>
             <a:r>
               <a:rPr lang="en-US" dirty="0" smtClean="0"/>
-              <a:t> </a:t>
+              <a:t> achieved 100% </a:t>
             </a:r>
             <a:r>
               <a:rPr lang="en-US" dirty="0" smtClean="0"/>
-              <a:t>achieved </a:t>
-            </a:r>
-            <a:r>
-              <a:rPr lang="en-US" dirty="0" smtClean="0"/>
-              <a:t>100% coverage</a:t>
+              <a:t>coverage.</a:t>
             </a:r>
             <a:endParaRPr lang="en-US" dirty="0" smtClean="0"/>
           </a:p>
@@ -18222,25 +18150,8 @@
             <a:pPr lvl="1"/>
             <a:r>
               <a:rPr lang="en-US" sz="2000" dirty="0" smtClean="0"/>
-              <a:t>Both </a:t>
-            </a:r>
-            <a:r>
-              <a:rPr lang="en-US" sz="2000" dirty="0" smtClean="0"/>
-              <a:t>conditions </a:t>
-            </a:r>
-            <a:r>
-              <a:rPr lang="en-US" sz="2000" dirty="0" smtClean="0"/>
-              <a:t>contain only </a:t>
-            </a:r>
-            <a:r>
-              <a:rPr lang="en-US" sz="2000" dirty="0" smtClean="0"/>
-              <a:t>DOM </a:t>
-            </a:r>
-            <a:r>
-              <a:rPr lang="en-US" sz="2000" dirty="0" smtClean="0"/>
-              <a:t>operations.</a:t>
-            </a:r>
-            <a:endParaRPr lang="en-US" sz="2000" dirty="0" smtClean="0"/>
+              <a:t>Both conditions contain only DOM operations.</a:t>
+            </a:r>
           </a:p>
           <a:p>
             <a:pPr lvl="1"/>
@@ -18404,11 +18315,7 @@
           <a:p>
             <a:r>
               <a:rPr lang="en-US" dirty="0" smtClean="0"/>
-              <a:t>Related </a:t>
-            </a:r>
-            <a:r>
-              <a:rPr lang="en-US" dirty="0" smtClean="0"/>
-              <a:t>Work</a:t>
+              <a:t>Related Work</a:t>
             </a:r>
             <a:br>
               <a:rPr lang="en-US" dirty="0" smtClean="0"/>
@@ -18491,11 +18398,7 @@
             <a:pPr lvl="1"/>
             <a:r>
               <a:rPr lang="en-US" dirty="0" smtClean="0"/>
-              <a:t>Random testing: </a:t>
-            </a:r>
-            <a:r>
-              <a:rPr lang="en-US" dirty="0" smtClean="0"/>
-              <a:t>Artemis</a:t>
+              <a:t>Random testing: Artemis</a:t>
             </a:r>
           </a:p>
           <a:p>
@@ -19036,15 +18939,7 @@
             <a:pPr lvl="1"/>
             <a:r>
               <a:rPr lang="en-US" sz="2000" dirty="0" smtClean="0"/>
-              <a:t>Generic</a:t>
-            </a:r>
-            <a:r>
-              <a:rPr lang="en-US" sz="2000" dirty="0" smtClean="0"/>
-              <a:t>, Browser </a:t>
-            </a:r>
-            <a:r>
-              <a:rPr lang="en-US" sz="2000" dirty="0" smtClean="0"/>
-              <a:t>Independent</a:t>
+              <a:t>Generic, Browser Independent</a:t>
             </a:r>
           </a:p>
           <a:p>
@@ -19052,7 +18947,6 @@
               <a:rPr lang="en-US" dirty="0" smtClean="0"/>
               <a:t>Future Work </a:t>
             </a:r>
-            <a:endParaRPr lang="en-US" dirty="0" smtClean="0"/>
           </a:p>
           <a:p>
             <a:pPr lvl="1"/>
@@ -22204,15 +22098,7 @@
           <a:p>
             <a:r>
               <a:rPr lang="en-US" dirty="0" smtClean="0"/>
-              <a:t>checking </a:t>
-            </a:r>
-            <a:r>
-              <a:rPr lang="en-US" dirty="0" smtClean="0"/>
-              <a:t>for filled </a:t>
-            </a:r>
-            <a:r>
-              <a:rPr lang="en-US" dirty="0" smtClean="0"/>
-              <a:t>rows: </a:t>
+              <a:t>checking for filled rows: </a:t>
             </a:r>
             <a:r>
               <a:rPr lang="en-US" dirty="0" smtClean="0">
@@ -24479,19 +24365,7 @@
             </a:r>
             <a:r>
               <a:rPr lang="en-US" dirty="0" smtClean="0"/>
-              <a:t> </a:t>
-            </a:r>
-            <a:r>
-              <a:rPr lang="en-US" dirty="0" smtClean="0"/>
-              <a:t>tree </a:t>
-            </a:r>
-            <a:r>
-              <a:rPr lang="en-US" dirty="0" smtClean="0"/>
-              <a:t>is not satisfied?</a:t>
-            </a:r>
-            <a:r>
-              <a:rPr lang="en-US" dirty="0" smtClean="0"/>
-              <a:t/>
+              <a:t> tree is not satisfied?</a:t>
             </a:r>
             <a:br>
               <a:rPr lang="en-US" dirty="0" smtClean="0"/>
@@ -25974,11 +25848,7 @@
             <a:pPr marL="914400" lvl="1" indent="-514350"/>
             <a:r>
               <a:rPr lang="en-US" dirty="0" smtClean="0"/>
-              <a:t># of </a:t>
-            </a:r>
-            <a:r>
-              <a:rPr lang="en-US" dirty="0" smtClean="0"/>
-              <a:t>DOM trees (and # of execution paths) can grow </a:t>
+              <a:t># of DOM trees (and # of execution paths) can grow </a:t>
             </a:r>
             <a:r>
               <a:rPr lang="en-US" i="1" dirty="0" smtClean="0"/>
@@ -25986,28 +25856,15 @@
             </a:r>
             <a:r>
               <a:rPr lang="en-US" dirty="0" smtClean="0"/>
-              <a:t>with the # </a:t>
-            </a:r>
+              <a:t>with the # of branching conditions</a:t>
+            </a:r>
+          </a:p>
+          <a:p>
+            <a:pPr marL="914400" lvl="1" indent="-514350"/>
             <a:r>
               <a:rPr lang="en-US" dirty="0" smtClean="0"/>
-              <a:t>of branching conditions</a:t>
-            </a:r>
-          </a:p>
-          <a:p>
-            <a:pPr marL="914400" lvl="1" indent="-514350"/>
-            <a:r>
-              <a:rPr lang="en-US" dirty="0" smtClean="0"/>
-              <a:t>Manual </a:t>
-            </a:r>
-            <a:r>
-              <a:rPr lang="en-US" dirty="0" smtClean="0"/>
-              <a:t>generation is too labor </a:t>
-            </a:r>
-            <a:r>
-              <a:rPr lang="en-US" dirty="0" smtClean="0"/>
-              <a:t>intensive.</a:t>
-            </a:r>
-            <a:endParaRPr lang="en-US" dirty="0" smtClean="0"/>
+              <a:t>Manual generation is too labor intensive.</a:t>
+            </a:r>
           </a:p>
           <a:p>
             <a:pPr marL="514350" indent="-514350">
@@ -26033,11 +25890,7 @@
             </a:r>
             <a:r>
               <a:rPr lang="en-US" dirty="0" smtClean="0"/>
-              <a:t> </a:t>
-            </a:r>
-            <a:r>
-              <a:rPr lang="en-US" dirty="0" smtClean="0"/>
-              <a:t>Precise DOM tree</a:t>
+              <a:t> Precise DOM tree</a:t>
             </a:r>
           </a:p>
           <a:p>

--- a/docs/csRPE-tkloReport.pptx
+++ b/docs/csRPE-tkloReport.pptx
@@ -6937,7 +6937,7 @@
             </a:r>
             <a:r>
               <a:rPr lang="en-US" dirty="0" smtClean="0"/>
-              <a:t>: takes care of exponential growth</a:t>
+              <a:t>: take care of exponential growth</a:t>
             </a:r>
           </a:p>
           <a:p>
@@ -6952,7 +6952,7 @@
             </a:r>
             <a:r>
               <a:rPr lang="en-US" dirty="0" smtClean="0"/>
-              <a:t>: meets tree precision</a:t>
+              <a:t>: meet tree precision</a:t>
             </a:r>
             <a:endParaRPr lang="en-US" dirty="0" smtClean="0"/>
           </a:p>
